--- a/46205957.pptx
+++ b/46205957.pptx
@@ -4044,7 +4044,37 @@
                 <a:latin typeface="Verdana"/>
                 <a:cs typeface="Verdana"/>
               </a:rPr>
-              <a:t>Dileep.s-p@capgemini.com</a:t>
+              <a:t>d</a:t>
+            </a:r>
+            <a:r>
+              <a:rPr lang="en-IN" sz="1200" u="sng" spc="-5">
+                <a:solidFill>
+                  <a:srgbClr val="87D4EC"/>
+                </a:solidFill>
+                <a:uFill>
+                  <a:solidFill>
+                    <a:srgbClr val="87D4EC"/>
+                  </a:solidFill>
+                </a:uFill>
+                <a:latin typeface="Verdana"/>
+                <a:cs typeface="Verdana"/>
+              </a:rPr>
+              <a:t>ileep</a:t>
+            </a:r>
+            <a:r>
+              <a:rPr lang="en-IN" sz="1200" u="sng" spc="-5" dirty="0">
+                <a:solidFill>
+                  <a:srgbClr val="87D4EC"/>
+                </a:solidFill>
+                <a:uFill>
+                  <a:solidFill>
+                    <a:srgbClr val="87D4EC"/>
+                  </a:solidFill>
+                </a:uFill>
+                <a:latin typeface="Verdana"/>
+                <a:cs typeface="Verdana"/>
+              </a:rPr>
+              <a:t>.s-p@capgemini.com</a:t>
             </a:r>
             <a:endParaRPr sz="1200" dirty="0">
               <a:latin typeface="Verdana"/>
@@ -5329,7 +5359,7 @@
             </a:pPr>
             <a:r>
               <a:rPr lang="en-IN" spc="-5" dirty="0"/>
-              <a:t>Raviteja M A</a:t>
+              <a:t>DILEEP S P</a:t>
             </a:r>
             <a:endParaRPr spc="-5" dirty="0"/>
           </a:p>
